--- a/Final Presentation of Mixed Reviews.pptx
+++ b/Final Presentation of Mixed Reviews.pptx
@@ -5,7 +5,7 @@
     <p:sldMasterId id="2147483659" r:id="rId1"/>
   </p:sldMasterIdLst>
   <p:notesMasterIdLst>
-    <p:notesMasterId r:id="rId15"/>
+    <p:notesMasterId r:id="rId17"/>
   </p:notesMasterIdLst>
   <p:sldIdLst>
     <p:sldId id="256" r:id="rId2"/>
@@ -15,12 +15,14 @@
     <p:sldId id="260" r:id="rId6"/>
     <p:sldId id="261" r:id="rId7"/>
     <p:sldId id="262" r:id="rId8"/>
-    <p:sldId id="268" r:id="rId9"/>
-    <p:sldId id="263" r:id="rId10"/>
-    <p:sldId id="264" r:id="rId11"/>
-    <p:sldId id="265" r:id="rId12"/>
-    <p:sldId id="266" r:id="rId13"/>
-    <p:sldId id="267" r:id="rId14"/>
+    <p:sldId id="269" r:id="rId9"/>
+    <p:sldId id="268" r:id="rId10"/>
+    <p:sldId id="270" r:id="rId11"/>
+    <p:sldId id="263" r:id="rId12"/>
+    <p:sldId id="264" r:id="rId13"/>
+    <p:sldId id="265" r:id="rId14"/>
+    <p:sldId id="266" r:id="rId15"/>
+    <p:sldId id="267" r:id="rId16"/>
   </p:sldIdLst>
   <p:sldSz cx="9144000" cy="5143500" type="screen16x9"/>
   <p:notesSz cx="6858000" cy="9144000"/>
@@ -10343,6 +10345,376 @@
   <p:cSld>
     <p:spTree>
       <p:nvGrpSpPr>
+        <p:cNvPr id="1" name=""/>
+        <p:cNvGrpSpPr/>
+        <p:nvPr/>
+      </p:nvGrpSpPr>
+      <p:grpSpPr>
+        <a:xfrm>
+          <a:off x="0" y="0"/>
+          <a:ext cx="0" cy="0"/>
+          <a:chOff x="0" y="0"/>
+          <a:chExt cx="0" cy="0"/>
+        </a:xfrm>
+      </p:grpSpPr>
+      <p:sp>
+        <p:nvSpPr>
+          <p:cNvPr id="2" name="Title 1"/>
+          <p:cNvSpPr>
+            <a:spLocks noGrp="1"/>
+          </p:cNvSpPr>
+          <p:nvPr>
+            <p:ph type="title"/>
+          </p:nvPr>
+        </p:nvSpPr>
+        <p:spPr>
+          <a:xfrm>
+            <a:off x="1297500" y="393750"/>
+            <a:ext cx="5786206" cy="555374"/>
+          </a:xfrm>
+        </p:spPr>
+        <p:txBody>
+          <a:bodyPr/>
+          <a:lstStyle/>
+          <a:p>
+            <a:r>
+              <a:rPr lang="en-US" dirty="0" smtClean="0"/>
+              <a:t>Summary of </a:t>
+            </a:r>
+            <a:r>
+              <a:rPr lang="en-US" smtClean="0"/>
+              <a:t>Use Cases: Most important </a:t>
+            </a:r>
+            <a:r>
+              <a:rPr lang="en-US" dirty="0" smtClean="0"/>
+              <a:t>ones</a:t>
+            </a:r>
+            <a:endParaRPr lang="en-US" dirty="0"/>
+          </a:p>
+        </p:txBody>
+      </p:sp>
+      <p:sp>
+        <p:nvSpPr>
+          <p:cNvPr id="3" name="Text Placeholder 2"/>
+          <p:cNvSpPr>
+            <a:spLocks noGrp="1"/>
+          </p:cNvSpPr>
+          <p:nvPr>
+            <p:ph type="body" idx="1"/>
+          </p:nvPr>
+        </p:nvSpPr>
+        <p:spPr>
+          <a:xfrm>
+            <a:off x="1297500" y="1567550"/>
+            <a:ext cx="7038900" cy="2553037"/>
+          </a:xfrm>
+        </p:spPr>
+        <p:txBody>
+          <a:bodyPr/>
+          <a:lstStyle/>
+          <a:p>
+            <a:pPr lvl="0"/>
+            <a:r>
+              <a:rPr lang="en-US" dirty="0" smtClean="0"/>
+              <a:t> </a:t>
+            </a:r>
+            <a:r>
+              <a:rPr lang="en-US" sz="1600" dirty="0" smtClean="0">
+                <a:solidFill>
+                  <a:srgbClr val="00B0F0"/>
+                </a:solidFill>
+              </a:rPr>
+              <a:t>User </a:t>
+            </a:r>
+            <a:r>
+              <a:rPr lang="en-US" sz="1600" dirty="0">
+                <a:solidFill>
+                  <a:srgbClr val="00B0F0"/>
+                </a:solidFill>
+              </a:rPr>
+              <a:t>wants to search for the nearest restaurant</a:t>
+            </a:r>
+          </a:p>
+          <a:p>
+            <a:pPr lvl="1"/>
+            <a:r>
+              <a:rPr lang="en-US" sz="1600" dirty="0"/>
+              <a:t>1.) User enters the name of restaurant in the search bar, chooses to search within a 5 mile radius of their current location, San Jose, CA</a:t>
+            </a:r>
+          </a:p>
+          <a:p>
+            <a:pPr lvl="1"/>
+            <a:r>
+              <a:rPr lang="en-US" sz="1600" dirty="0"/>
+              <a:t>2.) Chooses to show only 5 star reviews from Yelp and Foursquare</a:t>
+            </a:r>
+          </a:p>
+          <a:p>
+            <a:pPr lvl="1"/>
+            <a:r>
+              <a:rPr lang="en-US" sz="1600" dirty="0"/>
+              <a:t>3.) Clicks the search button, and the webpage automatically opens, displaying the results</a:t>
+            </a:r>
+          </a:p>
+          <a:p>
+            <a:endParaRPr lang="en-US" dirty="0"/>
+          </a:p>
+        </p:txBody>
+      </p:sp>
+    </p:spTree>
+    <p:extLst>
+      <p:ext uri="{BB962C8B-B14F-4D97-AF65-F5344CB8AC3E}">
+        <p14:creationId xmlns:p14="http://schemas.microsoft.com/office/powerpoint/2010/main" val="232313516"/>
+      </p:ext>
+    </p:extLst>
+  </p:cSld>
+  <p:clrMapOvr>
+    <a:masterClrMapping/>
+  </p:clrMapOvr>
+</p:sld>
+</file>
+
+<file path=ppt/slides/slide11.xml><?xml version="1.0" encoding="utf-8"?>
+<p:sld xmlns:a="http://schemas.openxmlformats.org/drawingml/2006/main" xmlns:r="http://schemas.openxmlformats.org/officeDocument/2006/relationships" xmlns:p="http://schemas.openxmlformats.org/presentationml/2006/main">
+  <p:cSld>
+    <p:spTree>
+      <p:nvGrpSpPr>
+        <p:cNvPr id="1" name="Shape 224"/>
+        <p:cNvGrpSpPr/>
+        <p:nvPr/>
+      </p:nvGrpSpPr>
+      <p:grpSpPr>
+        <a:xfrm>
+          <a:off x="0" y="0"/>
+          <a:ext cx="0" cy="0"/>
+          <a:chOff x="0" y="0"/>
+          <a:chExt cx="0" cy="0"/>
+        </a:xfrm>
+      </p:grpSpPr>
+      <p:sp>
+        <p:nvSpPr>
+          <p:cNvPr id="225" name="Shape 225"/>
+          <p:cNvSpPr txBox="1">
+            <a:spLocks noGrp="1"/>
+          </p:cNvSpPr>
+          <p:nvPr>
+            <p:ph type="title"/>
+          </p:nvPr>
+        </p:nvSpPr>
+        <p:spPr>
+          <a:xfrm>
+            <a:off x="987225" y="165150"/>
+            <a:ext cx="5034900" cy="526800"/>
+          </a:xfrm>
+          <a:prstGeom prst="rect">
+            <a:avLst/>
+          </a:prstGeom>
+        </p:spPr>
+        <p:txBody>
+          <a:bodyPr wrap="square" lIns="91425" tIns="91425" rIns="91425" bIns="91425" anchor="t" anchorCtr="0">
+            <a:noAutofit/>
+          </a:bodyPr>
+          <a:lstStyle/>
+          <a:p>
+            <a:pPr marL="0" lvl="0" indent="0">
+              <a:spcBef>
+                <a:spcPts val="0"/>
+              </a:spcBef>
+              <a:buNone/>
+            </a:pPr>
+            <a:r>
+              <a:rPr lang="en"/>
+              <a:t>What has been achieved so far?</a:t>
+            </a:r>
+          </a:p>
+        </p:txBody>
+      </p:sp>
+      <p:sp>
+        <p:nvSpPr>
+          <p:cNvPr id="226" name="Shape 226"/>
+          <p:cNvSpPr txBox="1">
+            <a:spLocks noGrp="1"/>
+          </p:cNvSpPr>
+          <p:nvPr>
+            <p:ph type="body" idx="1"/>
+          </p:nvPr>
+        </p:nvSpPr>
+        <p:spPr>
+          <a:xfrm>
+            <a:off x="914350" y="691950"/>
+            <a:ext cx="7038900" cy="4451400"/>
+          </a:xfrm>
+          <a:prstGeom prst="rect">
+            <a:avLst/>
+          </a:prstGeom>
+        </p:spPr>
+        <p:txBody>
+          <a:bodyPr wrap="square" lIns="91425" tIns="91425" rIns="91425" bIns="91425" anchor="t" anchorCtr="0">
+            <a:noAutofit/>
+          </a:bodyPr>
+          <a:lstStyle/>
+          <a:p>
+            <a:pPr marL="457200" lvl="0" indent="-342900" rtl="0">
+              <a:spcBef>
+                <a:spcPts val="0"/>
+              </a:spcBef>
+              <a:buSzPts val="1800"/>
+              <a:buChar char="●"/>
+            </a:pPr>
+            <a:r>
+              <a:rPr lang="en" sz="1800" dirty="0"/>
+              <a:t>UI implementation has been completed using JavaFX</a:t>
+            </a:r>
+          </a:p>
+          <a:p>
+            <a:pPr marL="0" lvl="0" indent="0" rtl="0">
+              <a:spcBef>
+                <a:spcPts val="0"/>
+              </a:spcBef>
+              <a:buNone/>
+            </a:pPr>
+            <a:endParaRPr sz="1800" dirty="0"/>
+          </a:p>
+          <a:p>
+            <a:pPr marL="457200" lvl="0" indent="-342900" rtl="0">
+              <a:spcBef>
+                <a:spcPts val="0"/>
+              </a:spcBef>
+              <a:spcAft>
+                <a:spcPts val="0"/>
+              </a:spcAft>
+              <a:buSzPts val="1800"/>
+              <a:buChar char="●"/>
+            </a:pPr>
+            <a:r>
+              <a:rPr lang="en" sz="1800" dirty="0"/>
+              <a:t>Write the DAO interface using Java JDBC with MySQL</a:t>
+            </a:r>
+          </a:p>
+          <a:p>
+            <a:pPr marL="914400" lvl="1" indent="-342900" rtl="0">
+              <a:spcBef>
+                <a:spcPts val="0"/>
+              </a:spcBef>
+              <a:buSzPts val="1800"/>
+              <a:buChar char="○"/>
+            </a:pPr>
+            <a:r>
+              <a:rPr lang="en" sz="1800" dirty="0"/>
+              <a:t>Note: still need to work on linking tables. Make one of the attributes of both tables a foreign key</a:t>
+            </a:r>
+          </a:p>
+          <a:p>
+            <a:pPr marL="0" lvl="0" indent="0">
+              <a:spcBef>
+                <a:spcPts val="0"/>
+              </a:spcBef>
+              <a:buNone/>
+            </a:pPr>
+            <a:endParaRPr sz="1800" dirty="0"/>
+          </a:p>
+          <a:p>
+            <a:pPr marL="457200" lvl="0" indent="-342900" rtl="0">
+              <a:spcBef>
+                <a:spcPts val="0"/>
+              </a:spcBef>
+              <a:buSzPts val="1800"/>
+              <a:buChar char="●"/>
+            </a:pPr>
+            <a:r>
+              <a:rPr lang="en" sz="1800" dirty="0"/>
+              <a:t>Design Document / Requirements Doc</a:t>
+            </a:r>
+          </a:p>
+          <a:p>
+            <a:pPr marL="0" lvl="0" indent="0" rtl="0">
+              <a:spcBef>
+                <a:spcPts val="0"/>
+              </a:spcBef>
+              <a:buNone/>
+            </a:pPr>
+            <a:endParaRPr sz="1800" dirty="0"/>
+          </a:p>
+          <a:p>
+            <a:pPr marL="457200" lvl="0" indent="-342900" rtl="0">
+              <a:spcBef>
+                <a:spcPts val="0"/>
+              </a:spcBef>
+              <a:spcAft>
+                <a:spcPts val="0"/>
+              </a:spcAft>
+              <a:buSzPts val="1800"/>
+              <a:buChar char="●"/>
+            </a:pPr>
+            <a:r>
+              <a:rPr lang="en" sz="1800" dirty="0"/>
+              <a:t>Research the review sites that I plan to use (Yelp, Google Places)</a:t>
+            </a:r>
+          </a:p>
+          <a:p>
+            <a:pPr marL="914400" lvl="1" indent="-342900" rtl="0">
+              <a:spcBef>
+                <a:spcPts val="0"/>
+              </a:spcBef>
+              <a:buSzPts val="1800"/>
+              <a:buChar char="○"/>
+            </a:pPr>
+            <a:r>
+              <a:rPr lang="en" sz="1800" dirty="0"/>
+              <a:t>Foursquare and </a:t>
+            </a:r>
+            <a:r>
+              <a:rPr lang="en" sz="1800" dirty="0" err="1"/>
+              <a:t>Tripadvisor</a:t>
+            </a:r>
+            <a:r>
+              <a:rPr lang="en" sz="1800" dirty="0"/>
+              <a:t> still being determined</a:t>
+            </a:r>
+          </a:p>
+        </p:txBody>
+      </p:sp>
+      <p:pic>
+        <p:nvPicPr>
+          <p:cNvPr id="227" name="Shape 227"/>
+          <p:cNvPicPr preferRelativeResize="0"/>
+          <p:nvPr/>
+        </p:nvPicPr>
+        <p:blipFill>
+          <a:blip r:embed="rId3">
+            <a:alphaModFix/>
+          </a:blip>
+          <a:stretch>
+            <a:fillRect/>
+          </a:stretch>
+        </p:blipFill>
+        <p:spPr>
+          <a:xfrm>
+            <a:off x="6845175" y="165148"/>
+            <a:ext cx="1842100" cy="1226850"/>
+          </a:xfrm>
+          <a:prstGeom prst="rect">
+            <a:avLst/>
+          </a:prstGeom>
+          <a:noFill/>
+          <a:ln>
+            <a:noFill/>
+          </a:ln>
+        </p:spPr>
+      </p:pic>
+    </p:spTree>
+  </p:cSld>
+  <p:clrMapOvr>
+    <a:masterClrMapping/>
+  </p:clrMapOvr>
+</p:sld>
+</file>
+
+<file path=ppt/slides/slide12.xml><?xml version="1.0" encoding="utf-8"?>
+<p:sld xmlns:a="http://schemas.openxmlformats.org/drawingml/2006/main" xmlns:r="http://schemas.openxmlformats.org/officeDocument/2006/relationships" xmlns:p="http://schemas.openxmlformats.org/presentationml/2006/main">
+  <p:cSld>
+    <p:spTree>
+      <p:nvGrpSpPr>
         <p:cNvPr id="1" name="Shape 231"/>
         <p:cNvGrpSpPr/>
         <p:nvPr/>
@@ -10471,7 +10843,7 @@
 </p:sld>
 </file>
 
-<file path=ppt/slides/slide11.xml><?xml version="1.0" encoding="utf-8"?>
+<file path=ppt/slides/slide13.xml><?xml version="1.0" encoding="utf-8"?>
 <p:sld xmlns:a="http://schemas.openxmlformats.org/drawingml/2006/main" xmlns:r="http://schemas.openxmlformats.org/officeDocument/2006/relationships" xmlns:p="http://schemas.openxmlformats.org/presentationml/2006/main">
   <p:cSld>
     <p:spTree>
@@ -10562,7 +10934,7 @@
 </p:sld>
 </file>
 
-<file path=ppt/slides/slide12.xml><?xml version="1.0" encoding="utf-8"?>
+<file path=ppt/slides/slide14.xml><?xml version="1.0" encoding="utf-8"?>
 <p:sld xmlns:a="http://schemas.openxmlformats.org/drawingml/2006/main" xmlns:r="http://schemas.openxmlformats.org/officeDocument/2006/relationships" xmlns:p="http://schemas.openxmlformats.org/presentationml/2006/main">
   <p:cSld>
     <p:spTree>
@@ -10702,7 +11074,7 @@
 </p:sld>
 </file>
 
-<file path=ppt/slides/slide13.xml><?xml version="1.0" encoding="utf-8"?>
+<file path=ppt/slides/slide15.xml><?xml version="1.0" encoding="utf-8"?>
 <p:sld xmlns:a="http://schemas.openxmlformats.org/drawingml/2006/main" xmlns:r="http://schemas.openxmlformats.org/officeDocument/2006/relationships" xmlns:p="http://schemas.openxmlformats.org/presentationml/2006/main">
   <p:cSld>
     <p:spTree>
@@ -11942,42 +12314,37 @@
               <a:buNone/>
             </a:pPr>
             <a:r>
+              <a:rPr lang="en" dirty="0" smtClean="0"/>
+              <a:t>Updated </a:t>
+            </a:r>
+            <a:r>
               <a:rPr lang="en" dirty="0"/>
-              <a:t>Updated Requirements Document</a:t>
+              <a:t>Requirements </a:t>
             </a:r>
-          </a:p>
-          <a:p>
-            <a:pPr marL="457200" lvl="0" indent="-311150" rtl="0">
-              <a:spcBef>
-                <a:spcPts val="0"/>
-              </a:spcBef>
-              <a:buSzPts val="1300"/>
+            <a:r>
+              <a:rPr lang="en" dirty="0" smtClean="0"/>
+              <a:t>Document</a:t>
+            </a:r>
+            <a:endParaRPr lang="en-US" dirty="0" smtClean="0"/>
+          </a:p>
+          <a:p>
+            <a:pPr marL="285750" lvl="0" indent="-285750">
+              <a:buFontTx/>
               <a:buChar char="-"/>
             </a:pPr>
             <a:r>
-              <a:rPr lang="en" u="sng" dirty="0">
-                <a:solidFill>
-                  <a:schemeClr val="hlink"/>
-                </a:solidFill>
+              <a:rPr lang="en-US" dirty="0">
                 <a:hlinkClick r:id="rId3"/>
               </a:rPr>
               <a:t>https://</a:t>
             </a:r>
             <a:r>
-              <a:rPr lang="en" u="sng" dirty="0" smtClean="0">
-                <a:solidFill>
-                  <a:schemeClr val="hlink"/>
-                </a:solidFill>
+              <a:rPr lang="en-US" dirty="0" smtClean="0">
                 <a:hlinkClick r:id="rId3"/>
               </a:rPr>
-              <a:t>docs.google.com/document/d/1bJ_kRaCL7ZGQ836Y3yov9IgyUE34FfjLpdo-5Xzeyho/edit?usp=drive_web</a:t>
+              <a:t>docs.google.com/document/d/16Ex_xJRFh51glrJ8xOBPaXZ8VYMgwdZBvzy5JISX4n4/edit</a:t>
             </a:r>
-            <a:endParaRPr lang="en" u="sng" dirty="0">
-              <a:solidFill>
-                <a:schemeClr val="hlink"/>
-              </a:solidFill>
-              <a:hlinkClick r:id="rId3"/>
-            </a:endParaRPr>
+            <a:endParaRPr lang="en" dirty="0"/>
           </a:p>
           <a:p>
             <a:pPr>
@@ -11999,30 +12366,37 @@
               <a:buChar char="-"/>
             </a:pPr>
             <a:r>
-              <a:rPr lang="en" u="sng" dirty="0">
+              <a:rPr lang="en-US" u="sng" dirty="0" smtClean="0">
                 <a:solidFill>
                   <a:schemeClr val="hlink"/>
                 </a:solidFill>
-                <a:hlinkClick r:id="rId3"/>
               </a:rPr>
-              <a:t>https://</a:t>
+              <a:t>https</a:t>
             </a:r>
             <a:r>
-              <a:rPr lang="en" u="sng" dirty="0" smtClean="0">
+              <a:rPr lang="en-US" u="sng" dirty="0">
                 <a:solidFill>
                   <a:schemeClr val="hlink"/>
                 </a:solidFill>
-                <a:hlinkClick r:id="rId3"/>
               </a:rPr>
-              <a:t>docs.google.com/document/d/1bJ_kRaCL7ZGQ836Y3yov9IgyUE34FfjLpdo-5Xzeyho/edit?usp=drive_web</a:t>
+              <a:t>://</a:t>
             </a:r>
-            <a:endParaRPr lang="en-US" dirty="0" smtClean="0"/>
-          </a:p>
-          <a:p>
-            <a:pPr marL="285750" indent="-285750">
-              <a:buFontTx/>
-              <a:buChar char="-"/>
-            </a:pPr>
+            <a:r>
+              <a:rPr lang="en-US" u="sng" dirty="0" err="1">
+                <a:solidFill>
+                  <a:schemeClr val="hlink"/>
+                </a:solidFill>
+              </a:rPr>
+              <a:t>docs.google.com</a:t>
+            </a:r>
+            <a:r>
+              <a:rPr lang="en-US" u="sng" dirty="0">
+                <a:solidFill>
+                  <a:schemeClr val="hlink"/>
+                </a:solidFill>
+              </a:rPr>
+              <a:t>/document/d/1YtHPuhnSbPihQi1PezYEPE4Rr3EJTBOrHpvMi7V6nv4/edit</a:t>
+            </a:r>
             <a:endParaRPr lang="en-US" dirty="0" smtClean="0"/>
           </a:p>
           <a:p>
@@ -12057,6 +12431,239 @@
 </file>
 
 <file path=ppt/slides/slide8.xml><?xml version="1.0" encoding="utf-8"?>
+<p:sld xmlns:a="http://schemas.openxmlformats.org/drawingml/2006/main" xmlns:r="http://schemas.openxmlformats.org/officeDocument/2006/relationships" xmlns:p="http://schemas.openxmlformats.org/presentationml/2006/main">
+  <p:cSld>
+    <p:spTree>
+      <p:nvGrpSpPr>
+        <p:cNvPr id="1" name=""/>
+        <p:cNvGrpSpPr/>
+        <p:nvPr/>
+      </p:nvGrpSpPr>
+      <p:grpSpPr>
+        <a:xfrm>
+          <a:off x="0" y="0"/>
+          <a:ext cx="0" cy="0"/>
+          <a:chOff x="0" y="0"/>
+          <a:chExt cx="0" cy="0"/>
+        </a:xfrm>
+      </p:grpSpPr>
+      <p:sp>
+        <p:nvSpPr>
+          <p:cNvPr id="2" name="Title 1"/>
+          <p:cNvSpPr>
+            <a:spLocks noGrp="1"/>
+          </p:cNvSpPr>
+          <p:nvPr>
+            <p:ph type="title"/>
+          </p:nvPr>
+        </p:nvSpPr>
+        <p:spPr>
+          <a:xfrm>
+            <a:off x="1297500" y="324307"/>
+            <a:ext cx="1561447" cy="520650"/>
+          </a:xfrm>
+        </p:spPr>
+        <p:txBody>
+          <a:bodyPr/>
+          <a:lstStyle/>
+          <a:p>
+            <a:r>
+              <a:rPr lang="en-US" dirty="0" smtClean="0"/>
+              <a:t>Tech Stack</a:t>
+            </a:r>
+            <a:endParaRPr lang="en-US" dirty="0"/>
+          </a:p>
+        </p:txBody>
+      </p:sp>
+      <p:sp>
+        <p:nvSpPr>
+          <p:cNvPr id="3" name="Text Placeholder 2"/>
+          <p:cNvSpPr>
+            <a:spLocks noGrp="1"/>
+          </p:cNvSpPr>
+          <p:nvPr>
+            <p:ph type="body" idx="1"/>
+          </p:nvPr>
+        </p:nvSpPr>
+        <p:spPr>
+          <a:xfrm>
+            <a:off x="1297500" y="1018579"/>
+            <a:ext cx="5195897" cy="4027983"/>
+          </a:xfrm>
+        </p:spPr>
+        <p:txBody>
+          <a:bodyPr/>
+          <a:lstStyle/>
+          <a:p>
+            <a:pPr marL="457200" indent="-342900">
+              <a:spcAft>
+                <a:spcPts val="0"/>
+              </a:spcAft>
+              <a:buSzPts val="1800"/>
+            </a:pPr>
+            <a:r>
+              <a:rPr lang="en-US" sz="1800" dirty="0" smtClean="0"/>
+              <a:t>Java Version 8 Update 151 Build 1.8.0_151-b12</a:t>
+            </a:r>
+          </a:p>
+          <a:p>
+            <a:pPr marL="457200" lvl="0" indent="-342900">
+              <a:spcAft>
+                <a:spcPts val="0"/>
+              </a:spcAft>
+              <a:buSzPts val="1800"/>
+            </a:pPr>
+            <a:r>
+              <a:rPr lang="en-US" sz="1800" dirty="0" smtClean="0"/>
+              <a:t>HTML5</a:t>
+            </a:r>
+          </a:p>
+          <a:p>
+            <a:pPr marL="457200" lvl="0" indent="-342900">
+              <a:spcAft>
+                <a:spcPts val="0"/>
+              </a:spcAft>
+              <a:buSzPts val="1800"/>
+            </a:pPr>
+            <a:r>
+              <a:rPr lang="en-US" sz="1800" dirty="0" smtClean="0"/>
+              <a:t>CSS 3</a:t>
+            </a:r>
+          </a:p>
+          <a:p>
+            <a:pPr marL="457200" lvl="0" indent="-342900">
+              <a:spcAft>
+                <a:spcPts val="0"/>
+              </a:spcAft>
+              <a:buSzPts val="1800"/>
+            </a:pPr>
+            <a:r>
+              <a:rPr lang="en-US" sz="1800" dirty="0" smtClean="0"/>
+              <a:t>JavaFX Version 8</a:t>
+            </a:r>
+          </a:p>
+          <a:p>
+            <a:pPr marL="457200" lvl="0" indent="-342900">
+              <a:spcAft>
+                <a:spcPts val="0"/>
+              </a:spcAft>
+              <a:buSzPts val="1800"/>
+            </a:pPr>
+            <a:r>
+              <a:rPr lang="en-US" sz="1800" dirty="0" smtClean="0"/>
+              <a:t>JDBC Version 5.1.44</a:t>
+            </a:r>
+          </a:p>
+          <a:p>
+            <a:pPr marL="457200" indent="-342900">
+              <a:spcAft>
+                <a:spcPts val="0"/>
+              </a:spcAft>
+              <a:buSzPts val="1800"/>
+            </a:pPr>
+            <a:r>
+              <a:rPr lang="en-US" sz="1800" dirty="0"/>
+              <a:t>MySQL Community Server </a:t>
+            </a:r>
+            <a:r>
+              <a:rPr lang="nb-NO" sz="1800" dirty="0" smtClean="0"/>
+              <a:t>5.7.19</a:t>
+            </a:r>
+            <a:br>
+              <a:rPr lang="nb-NO" sz="1800" dirty="0" smtClean="0"/>
+            </a:br>
+            <a:endParaRPr lang="en-US" sz="1800" dirty="0"/>
+          </a:p>
+          <a:p>
+            <a:pPr marL="114300" lvl="0">
+              <a:spcAft>
+                <a:spcPts val="0"/>
+              </a:spcAft>
+              <a:buSzPts val="1800"/>
+              <a:buNone/>
+            </a:pPr>
+            <a:r>
+              <a:rPr lang="en-US" sz="1800" dirty="0" smtClean="0"/>
+              <a:t>Development Environment</a:t>
+            </a:r>
+          </a:p>
+          <a:p>
+            <a:pPr marL="457200" indent="-342900">
+              <a:spcAft>
+                <a:spcPts val="0"/>
+              </a:spcAft>
+              <a:buSzPts val="1800"/>
+            </a:pPr>
+            <a:r>
+              <a:rPr lang="en-US" sz="1800" dirty="0" smtClean="0"/>
+              <a:t>Eclipse </a:t>
+            </a:r>
+            <a:r>
+              <a:rPr lang="en-US" sz="1800" dirty="0"/>
+              <a:t>Oxygen Release (4.7.0</a:t>
+            </a:r>
+            <a:r>
+              <a:rPr lang="en-US" sz="1800" dirty="0" smtClean="0"/>
+              <a:t>)</a:t>
+            </a:r>
+          </a:p>
+          <a:p>
+            <a:pPr marL="457200" indent="-342900">
+              <a:spcAft>
+                <a:spcPts val="0"/>
+              </a:spcAft>
+              <a:buSzPts val="1800"/>
+            </a:pPr>
+            <a:r>
+              <a:rPr lang="en-US" sz="1800" dirty="0" smtClean="0"/>
+              <a:t>Mac OS X 10.12.6</a:t>
+            </a:r>
+          </a:p>
+          <a:p>
+            <a:pPr marL="457200" indent="-342900">
+              <a:spcAft>
+                <a:spcPts val="0"/>
+              </a:spcAft>
+              <a:buSzPts val="1800"/>
+            </a:pPr>
+            <a:r>
+              <a:rPr lang="en-US" sz="1800" dirty="0" smtClean="0"/>
+              <a:t>MySQL Workbench 6.3</a:t>
+            </a:r>
+          </a:p>
+          <a:p>
+            <a:pPr marL="457200" indent="-342900">
+              <a:spcAft>
+                <a:spcPts val="0"/>
+              </a:spcAft>
+              <a:buSzPts val="1800"/>
+            </a:pPr>
+            <a:r>
+              <a:rPr lang="en-US" sz="1800" dirty="0" smtClean="0"/>
+              <a:t>Postman </a:t>
+            </a:r>
+            <a:r>
+              <a:rPr lang="sk-SK" sz="1800" dirty="0" smtClean="0"/>
+              <a:t>5.3.2</a:t>
+            </a:r>
+            <a:endParaRPr lang="nb-NO" sz="1800" dirty="0"/>
+          </a:p>
+        </p:txBody>
+      </p:sp>
+    </p:spTree>
+    <p:extLst>
+      <p:ext uri="{BB962C8B-B14F-4D97-AF65-F5344CB8AC3E}">
+        <p14:creationId xmlns:p14="http://schemas.microsoft.com/office/powerpoint/2010/main" val="1192134388"/>
+      </p:ext>
+    </p:extLst>
+  </p:cSld>
+  <p:clrMapOvr>
+    <a:masterClrMapping/>
+  </p:clrMapOvr>
+</p:sld>
+</file>
+
+<file path=ppt/slides/slide9.xml><?xml version="1.0" encoding="utf-8"?>
 <p:sld xmlns:a="http://schemas.openxmlformats.org/drawingml/2006/main" xmlns:r="http://schemas.openxmlformats.org/officeDocument/2006/relationships" xmlns:p="http://schemas.openxmlformats.org/presentationml/2006/main">
   <p:cSld>
     <p:spTree>
@@ -12163,248 +12770,127 @@
           </a:p>
         </p:txBody>
       </p:sp>
+      <p:cxnSp>
+        <p:nvCxnSpPr>
+          <p:cNvPr id="8" name="Straight Arrow Connector 7"/>
+          <p:cNvCxnSpPr/>
+          <p:nvPr/>
+        </p:nvCxnSpPr>
+        <p:spPr>
+          <a:xfrm flipH="1">
+            <a:off x="2650603" y="4388155"/>
+            <a:ext cx="1349584" cy="0"/>
+          </a:xfrm>
+          <a:prstGeom prst="straightConnector1">
+            <a:avLst/>
+          </a:prstGeom>
+          <a:ln>
+            <a:solidFill>
+              <a:srgbClr val="0070C0"/>
+            </a:solidFill>
+            <a:tailEnd type="triangle"/>
+          </a:ln>
+        </p:spPr>
+        <p:style>
+          <a:lnRef idx="1">
+            <a:schemeClr val="accent1"/>
+          </a:lnRef>
+          <a:fillRef idx="0">
+            <a:schemeClr val="accent1"/>
+          </a:fillRef>
+          <a:effectRef idx="0">
+            <a:schemeClr val="accent1"/>
+          </a:effectRef>
+          <a:fontRef idx="minor">
+            <a:schemeClr val="tx1"/>
+          </a:fontRef>
+        </p:style>
+      </p:cxnSp>
+      <p:cxnSp>
+        <p:nvCxnSpPr>
+          <p:cNvPr id="11" name="Straight Connector 10"/>
+          <p:cNvCxnSpPr/>
+          <p:nvPr/>
+        </p:nvCxnSpPr>
+        <p:spPr>
+          <a:xfrm>
+            <a:off x="4016415" y="3877518"/>
+            <a:ext cx="0" cy="507935"/>
+          </a:xfrm>
+          <a:prstGeom prst="line">
+            <a:avLst/>
+          </a:prstGeom>
+          <a:ln>
+            <a:solidFill>
+              <a:srgbClr val="0070C0"/>
+            </a:solidFill>
+          </a:ln>
+        </p:spPr>
+        <p:style>
+          <a:lnRef idx="1">
+            <a:schemeClr val="accent1"/>
+          </a:lnRef>
+          <a:fillRef idx="0">
+            <a:schemeClr val="accent1"/>
+          </a:fillRef>
+          <a:effectRef idx="0">
+            <a:schemeClr val="accent1"/>
+          </a:effectRef>
+          <a:fontRef idx="minor">
+            <a:schemeClr val="tx1"/>
+          </a:fontRef>
+        </p:style>
+      </p:cxnSp>
+      <p:sp>
+        <p:nvSpPr>
+          <p:cNvPr id="12" name="Rounded Rectangle 11"/>
+          <p:cNvSpPr/>
+          <p:nvPr/>
+        </p:nvSpPr>
+        <p:spPr>
+          <a:xfrm>
+            <a:off x="1460037" y="4222056"/>
+            <a:ext cx="1190566" cy="326794"/>
+          </a:xfrm>
+          <a:prstGeom prst="roundRect">
+            <a:avLst/>
+          </a:prstGeom>
+        </p:spPr>
+        <p:style>
+          <a:lnRef idx="2">
+            <a:schemeClr val="accent1">
+              <a:shade val="50000"/>
+            </a:schemeClr>
+          </a:lnRef>
+          <a:fillRef idx="1">
+            <a:schemeClr val="accent1"/>
+          </a:fillRef>
+          <a:effectRef idx="0">
+            <a:schemeClr val="accent1"/>
+          </a:effectRef>
+          <a:fontRef idx="minor">
+            <a:schemeClr val="lt1"/>
+          </a:fontRef>
+        </p:style>
+        <p:txBody>
+          <a:bodyPr rtlCol="0" anchor="ctr"/>
+          <a:lstStyle/>
+          <a:p>
+            <a:pPr algn="ctr"/>
+            <a:r>
+              <a:rPr lang="en-US" sz="1100" dirty="0" smtClean="0"/>
+              <a:t>Google Places</a:t>
+            </a:r>
+            <a:endParaRPr lang="en-US" sz="1100" dirty="0"/>
+          </a:p>
+        </p:txBody>
+      </p:sp>
     </p:spTree>
     <p:extLst>
       <p:ext uri="{BB962C8B-B14F-4D97-AF65-F5344CB8AC3E}">
         <p14:creationId xmlns:p14="http://schemas.microsoft.com/office/powerpoint/2010/main" val="633584937"/>
       </p:ext>
     </p:extLst>
-  </p:cSld>
-  <p:clrMapOvr>
-    <a:masterClrMapping/>
-  </p:clrMapOvr>
-</p:sld>
-</file>
-
-<file path=ppt/slides/slide9.xml><?xml version="1.0" encoding="utf-8"?>
-<p:sld xmlns:a="http://schemas.openxmlformats.org/drawingml/2006/main" xmlns:r="http://schemas.openxmlformats.org/officeDocument/2006/relationships" xmlns:p="http://schemas.openxmlformats.org/presentationml/2006/main">
-  <p:cSld>
-    <p:spTree>
-      <p:nvGrpSpPr>
-        <p:cNvPr id="1" name="Shape 224"/>
-        <p:cNvGrpSpPr/>
-        <p:nvPr/>
-      </p:nvGrpSpPr>
-      <p:grpSpPr>
-        <a:xfrm>
-          <a:off x="0" y="0"/>
-          <a:ext cx="0" cy="0"/>
-          <a:chOff x="0" y="0"/>
-          <a:chExt cx="0" cy="0"/>
-        </a:xfrm>
-      </p:grpSpPr>
-      <p:sp>
-        <p:nvSpPr>
-          <p:cNvPr id="225" name="Shape 225"/>
-          <p:cNvSpPr txBox="1">
-            <a:spLocks noGrp="1"/>
-          </p:cNvSpPr>
-          <p:nvPr>
-            <p:ph type="title"/>
-          </p:nvPr>
-        </p:nvSpPr>
-        <p:spPr>
-          <a:xfrm>
-            <a:off x="987225" y="165150"/>
-            <a:ext cx="5034900" cy="526800"/>
-          </a:xfrm>
-          <a:prstGeom prst="rect">
-            <a:avLst/>
-          </a:prstGeom>
-        </p:spPr>
-        <p:txBody>
-          <a:bodyPr wrap="square" lIns="91425" tIns="91425" rIns="91425" bIns="91425" anchor="t" anchorCtr="0">
-            <a:noAutofit/>
-          </a:bodyPr>
-          <a:lstStyle/>
-          <a:p>
-            <a:pPr marL="0" lvl="0" indent="0">
-              <a:spcBef>
-                <a:spcPts val="0"/>
-              </a:spcBef>
-              <a:buNone/>
-            </a:pPr>
-            <a:r>
-              <a:rPr lang="en"/>
-              <a:t>What has been achieved so far?</a:t>
-            </a:r>
-          </a:p>
-        </p:txBody>
-      </p:sp>
-      <p:sp>
-        <p:nvSpPr>
-          <p:cNvPr id="226" name="Shape 226"/>
-          <p:cNvSpPr txBox="1">
-            <a:spLocks noGrp="1"/>
-          </p:cNvSpPr>
-          <p:nvPr>
-            <p:ph type="body" idx="1"/>
-          </p:nvPr>
-        </p:nvSpPr>
-        <p:spPr>
-          <a:xfrm>
-            <a:off x="914350" y="691950"/>
-            <a:ext cx="7038900" cy="4451400"/>
-          </a:xfrm>
-          <a:prstGeom prst="rect">
-            <a:avLst/>
-          </a:prstGeom>
-        </p:spPr>
-        <p:txBody>
-          <a:bodyPr wrap="square" lIns="91425" tIns="91425" rIns="91425" bIns="91425" anchor="t" anchorCtr="0">
-            <a:noAutofit/>
-          </a:bodyPr>
-          <a:lstStyle/>
-          <a:p>
-            <a:pPr marL="457200" lvl="0" indent="-342900" rtl="0">
-              <a:spcBef>
-                <a:spcPts val="0"/>
-              </a:spcBef>
-              <a:buSzPts val="1800"/>
-              <a:buChar char="●"/>
-            </a:pPr>
-            <a:r>
-              <a:rPr lang="en" sz="1800" dirty="0"/>
-              <a:t>UI implementation has been completed using JavaFX</a:t>
-            </a:r>
-          </a:p>
-          <a:p>
-            <a:pPr marL="0" lvl="0" indent="0" rtl="0">
-              <a:spcBef>
-                <a:spcPts val="0"/>
-              </a:spcBef>
-              <a:buNone/>
-            </a:pPr>
-            <a:endParaRPr sz="1800" dirty="0"/>
-          </a:p>
-          <a:p>
-            <a:pPr marL="457200" lvl="0" indent="-342900" rtl="0">
-              <a:spcBef>
-                <a:spcPts val="0"/>
-              </a:spcBef>
-              <a:spcAft>
-                <a:spcPts val="0"/>
-              </a:spcAft>
-              <a:buSzPts val="1800"/>
-              <a:buChar char="●"/>
-            </a:pPr>
-            <a:r>
-              <a:rPr lang="en" sz="1800" dirty="0"/>
-              <a:t>Write the DAO interface using Java JDBC with MySQL</a:t>
-            </a:r>
-          </a:p>
-          <a:p>
-            <a:pPr marL="914400" lvl="1" indent="-342900" rtl="0">
-              <a:spcBef>
-                <a:spcPts val="0"/>
-              </a:spcBef>
-              <a:buSzPts val="1800"/>
-              <a:buChar char="○"/>
-            </a:pPr>
-            <a:r>
-              <a:rPr lang="en" sz="1800" dirty="0"/>
-              <a:t>Note: still need to work on linking tables. Make one of the attributes of both tables a foreign key</a:t>
-            </a:r>
-          </a:p>
-          <a:p>
-            <a:pPr marL="0" lvl="0" indent="0">
-              <a:spcBef>
-                <a:spcPts val="0"/>
-              </a:spcBef>
-              <a:buNone/>
-            </a:pPr>
-            <a:endParaRPr sz="1800" dirty="0"/>
-          </a:p>
-          <a:p>
-            <a:pPr marL="457200" lvl="0" indent="-342900" rtl="0">
-              <a:spcBef>
-                <a:spcPts val="0"/>
-              </a:spcBef>
-              <a:buSzPts val="1800"/>
-              <a:buChar char="●"/>
-            </a:pPr>
-            <a:r>
-              <a:rPr lang="en" sz="1800" dirty="0"/>
-              <a:t>Design Document / Requirements Doc</a:t>
-            </a:r>
-          </a:p>
-          <a:p>
-            <a:pPr marL="0" lvl="0" indent="0" rtl="0">
-              <a:spcBef>
-                <a:spcPts val="0"/>
-              </a:spcBef>
-              <a:buNone/>
-            </a:pPr>
-            <a:endParaRPr sz="1800" dirty="0"/>
-          </a:p>
-          <a:p>
-            <a:pPr marL="457200" lvl="0" indent="-342900" rtl="0">
-              <a:spcBef>
-                <a:spcPts val="0"/>
-              </a:spcBef>
-              <a:spcAft>
-                <a:spcPts val="0"/>
-              </a:spcAft>
-              <a:buSzPts val="1800"/>
-              <a:buChar char="●"/>
-            </a:pPr>
-            <a:r>
-              <a:rPr lang="en" sz="1800" dirty="0"/>
-              <a:t>Research the review sites that I plan to use (Yelp, Google Places)</a:t>
-            </a:r>
-          </a:p>
-          <a:p>
-            <a:pPr marL="914400" lvl="1" indent="-342900" rtl="0">
-              <a:spcBef>
-                <a:spcPts val="0"/>
-              </a:spcBef>
-              <a:buSzPts val="1800"/>
-              <a:buChar char="○"/>
-            </a:pPr>
-            <a:r>
-              <a:rPr lang="en" sz="1800" dirty="0"/>
-              <a:t>Foursquare and </a:t>
-            </a:r>
-            <a:r>
-              <a:rPr lang="en" sz="1800" dirty="0" err="1"/>
-              <a:t>Tripadvisor</a:t>
-            </a:r>
-            <a:r>
-              <a:rPr lang="en" sz="1800" dirty="0"/>
-              <a:t> still being determined</a:t>
-            </a:r>
-          </a:p>
-        </p:txBody>
-      </p:sp>
-      <p:pic>
-        <p:nvPicPr>
-          <p:cNvPr id="227" name="Shape 227"/>
-          <p:cNvPicPr preferRelativeResize="0"/>
-          <p:nvPr/>
-        </p:nvPicPr>
-        <p:blipFill>
-          <a:blip r:embed="rId3">
-            <a:alphaModFix/>
-          </a:blip>
-          <a:stretch>
-            <a:fillRect/>
-          </a:stretch>
-        </p:blipFill>
-        <p:spPr>
-          <a:xfrm>
-            <a:off x="6845175" y="165148"/>
-            <a:ext cx="1842100" cy="1226850"/>
-          </a:xfrm>
-          <a:prstGeom prst="rect">
-            <a:avLst/>
-          </a:prstGeom>
-          <a:noFill/>
-          <a:ln>
-            <a:noFill/>
-          </a:ln>
-        </p:spPr>
-      </p:pic>
-    </p:spTree>
   </p:cSld>
   <p:clrMapOvr>
     <a:masterClrMapping/>
